--- a/image2/BeSS/界面.pptx
+++ b/image2/BeSS/界面.pptx
@@ -302,7 +302,7 @@
           <a:p>
             <a:fld id="{530820CF-B880-4189-942D-D702A7CBA730}" type="datetimeFigureOut">
               <a:rPr lang="zh-CN" altLang="en-US" smtClean="0"/>
-              <a:t>2024/4/24</a:t>
+              <a:t>2024/4/26</a:t>
             </a:fld>
             <a:endParaRPr lang="zh-CN" altLang="en-US"/>
           </a:p>
@@ -465,7 +465,7 @@
           <a:p>
             <a:fld id="{530820CF-B880-4189-942D-D702A7CBA730}" type="datetimeFigureOut">
               <a:rPr lang="zh-CN" altLang="en-US" smtClean="0"/>
-              <a:t>2024/4/24</a:t>
+              <a:t>2024/4/26</a:t>
             </a:fld>
             <a:endParaRPr lang="zh-CN" altLang="en-US"/>
           </a:p>
@@ -638,7 +638,7 @@
           <a:p>
             <a:fld id="{530820CF-B880-4189-942D-D702A7CBA730}" type="datetimeFigureOut">
               <a:rPr lang="zh-CN" altLang="en-US" smtClean="0"/>
-              <a:t>2024/4/24</a:t>
+              <a:t>2024/4/26</a:t>
             </a:fld>
             <a:endParaRPr lang="zh-CN" altLang="en-US"/>
           </a:p>
@@ -801,7 +801,7 @@
           <a:p>
             <a:fld id="{530820CF-B880-4189-942D-D702A7CBA730}" type="datetimeFigureOut">
               <a:rPr lang="zh-CN" altLang="en-US" smtClean="0"/>
-              <a:t>2024/4/24</a:t>
+              <a:t>2024/4/26</a:t>
             </a:fld>
             <a:endParaRPr lang="zh-CN" altLang="en-US"/>
           </a:p>
@@ -1041,7 +1041,7 @@
           <a:p>
             <a:fld id="{530820CF-B880-4189-942D-D702A7CBA730}" type="datetimeFigureOut">
               <a:rPr lang="zh-CN" altLang="en-US" smtClean="0"/>
-              <a:t>2024/4/24</a:t>
+              <a:t>2024/4/26</a:t>
             </a:fld>
             <a:endParaRPr lang="zh-CN" altLang="en-US"/>
           </a:p>
@@ -1321,7 +1321,7 @@
           <a:p>
             <a:fld id="{530820CF-B880-4189-942D-D702A7CBA730}" type="datetimeFigureOut">
               <a:rPr lang="zh-CN" altLang="en-US" smtClean="0"/>
-              <a:t>2024/4/24</a:t>
+              <a:t>2024/4/26</a:t>
             </a:fld>
             <a:endParaRPr lang="zh-CN" altLang="en-US"/>
           </a:p>
@@ -1735,7 +1735,7 @@
           <a:p>
             <a:fld id="{530820CF-B880-4189-942D-D702A7CBA730}" type="datetimeFigureOut">
               <a:rPr lang="zh-CN" altLang="en-US" smtClean="0"/>
-              <a:t>2024/4/24</a:t>
+              <a:t>2024/4/26</a:t>
             </a:fld>
             <a:endParaRPr lang="zh-CN" altLang="en-US"/>
           </a:p>
@@ -1847,7 +1847,7 @@
           <a:p>
             <a:fld id="{530820CF-B880-4189-942D-D702A7CBA730}" type="datetimeFigureOut">
               <a:rPr lang="zh-CN" altLang="en-US" smtClean="0"/>
-              <a:t>2024/4/24</a:t>
+              <a:t>2024/4/26</a:t>
             </a:fld>
             <a:endParaRPr lang="zh-CN" altLang="en-US"/>
           </a:p>
@@ -1937,7 +1937,7 @@
           <a:p>
             <a:fld id="{530820CF-B880-4189-942D-D702A7CBA730}" type="datetimeFigureOut">
               <a:rPr lang="zh-CN" altLang="en-US" smtClean="0"/>
-              <a:t>2024/4/24</a:t>
+              <a:t>2024/4/26</a:t>
             </a:fld>
             <a:endParaRPr lang="zh-CN" altLang="en-US"/>
           </a:p>
@@ -2207,7 +2207,7 @@
           <a:p>
             <a:fld id="{530820CF-B880-4189-942D-D702A7CBA730}" type="datetimeFigureOut">
               <a:rPr lang="zh-CN" altLang="en-US" smtClean="0"/>
-              <a:t>2024/4/24</a:t>
+              <a:t>2024/4/26</a:t>
             </a:fld>
             <a:endParaRPr lang="zh-CN" altLang="en-US"/>
           </a:p>
@@ -2454,7 +2454,7 @@
           <a:p>
             <a:fld id="{530820CF-B880-4189-942D-D702A7CBA730}" type="datetimeFigureOut">
               <a:rPr lang="zh-CN" altLang="en-US" smtClean="0"/>
-              <a:t>2024/4/24</a:t>
+              <a:t>2024/4/26</a:t>
             </a:fld>
             <a:endParaRPr lang="zh-CN" altLang="en-US"/>
           </a:p>
@@ -2660,7 +2660,7 @@
           <a:p>
             <a:fld id="{530820CF-B880-4189-942D-D702A7CBA730}" type="datetimeFigureOut">
               <a:rPr lang="zh-CN" altLang="en-US" smtClean="0"/>
-              <a:t>2024/4/24</a:t>
+              <a:t>2024/4/26</a:t>
             </a:fld>
             <a:endParaRPr lang="zh-CN" altLang="en-US"/>
           </a:p>
@@ -3032,10 +3032,10 @@
       </p:grpSpPr>
       <p:pic>
         <p:nvPicPr>
-          <p:cNvPr id="5" name="图片 4">
+          <p:cNvPr id="4" name="图片 3">
             <a:extLst>
               <a:ext uri="{FF2B5EF4-FFF2-40B4-BE49-F238E27FC236}">
-                <a16:creationId xmlns:a16="http://schemas.microsoft.com/office/drawing/2014/main" id="{5D698B99-8DF2-85F1-1CB0-F44DAE52A300}"/>
+                <a16:creationId xmlns:a16="http://schemas.microsoft.com/office/drawing/2014/main" id="{9B3A4705-669E-E5E6-5D72-C990B8636C58}"/>
               </a:ext>
             </a:extLst>
           </p:cNvPr>
@@ -3058,8 +3058,8 @@
         </p:blipFill>
         <p:spPr>
           <a:xfrm>
-            <a:off x="4703300" y="1638823"/>
-            <a:ext cx="2887601" cy="7182219"/>
+            <a:off x="4731073" y="1726558"/>
+            <a:ext cx="3356313" cy="7100772"/>
           </a:xfrm>
           <a:prstGeom prst="rect">
             <a:avLst/>
@@ -3108,7 +3108,7 @@
         <p:spPr>
           <a:xfrm>
             <a:off x="4673940" y="1381716"/>
-            <a:ext cx="2274324" cy="338554"/>
+            <a:ext cx="2490348" cy="338554"/>
           </a:xfrm>
           <a:prstGeom prst="rect">
             <a:avLst/>
@@ -3122,8 +3122,16 @@
           <a:lstStyle/>
           <a:p>
             <a:r>
-              <a:rPr lang="en-US" altLang="zh-CN" sz="1600" b="1"/>
-              <a:t>Best subst select (BeSS)</a:t>
+              <a:rPr lang="en-US" altLang="zh-CN" sz="1600" b="1" dirty="0"/>
+              <a:t>Best subset selection (</a:t>
+            </a:r>
+            <a:r>
+              <a:rPr lang="en-US" altLang="zh-CN" sz="1600" b="1" dirty="0" err="1"/>
+              <a:t>BeSS</a:t>
+            </a:r>
+            <a:r>
+              <a:rPr lang="en-US" altLang="zh-CN" sz="1600" b="1" dirty="0"/>
+              <a:t>)</a:t>
             </a:r>
             <a:endParaRPr lang="zh-CN" altLang="en-US" sz="1600" b="1" dirty="0"/>
           </a:p>
@@ -3137,7 +3145,7 @@
         </p:nvSpPr>
         <p:spPr>
           <a:xfrm>
-            <a:off x="3536016" y="2268314"/>
+            <a:off x="3536016" y="2412330"/>
             <a:ext cx="864096" cy="288032"/>
           </a:xfrm>
           <a:prstGeom prst="borderCallout1">
@@ -3195,7 +3203,7 @@
         </p:nvSpPr>
         <p:spPr>
           <a:xfrm>
-            <a:off x="3420453" y="6120742"/>
+            <a:off x="3420453" y="6145234"/>
             <a:ext cx="1141553" cy="288032"/>
           </a:xfrm>
           <a:prstGeom prst="borderCallout1">
@@ -3203,7 +3211,7 @@
               <a:gd name="adj1" fmla="val 44544"/>
               <a:gd name="adj2" fmla="val 98811"/>
               <a:gd name="adj3" fmla="val 44856"/>
-              <a:gd name="adj4" fmla="val 133362"/>
+              <a:gd name="adj4" fmla="val 129101"/>
             </a:avLst>
           </a:prstGeom>
           <a:noFill/>
@@ -3253,7 +3261,7 @@
         </p:nvSpPr>
         <p:spPr>
           <a:xfrm>
-            <a:off x="3430447" y="8252629"/>
+            <a:off x="3430447" y="8316985"/>
             <a:ext cx="1141553" cy="288032"/>
           </a:xfrm>
           <a:prstGeom prst="borderCallout1">
@@ -3261,7 +3269,7 @@
               <a:gd name="adj1" fmla="val 44544"/>
               <a:gd name="adj2" fmla="val 98811"/>
               <a:gd name="adj3" fmla="val 43202"/>
-              <a:gd name="adj4" fmla="val 132815"/>
+              <a:gd name="adj4" fmla="val 129406"/>
             </a:avLst>
           </a:prstGeom>
           <a:noFill/>
@@ -3311,7 +3319,7 @@
         </p:nvSpPr>
         <p:spPr>
           <a:xfrm>
-            <a:off x="3420452" y="3060402"/>
+            <a:off x="3420452" y="3132410"/>
             <a:ext cx="1141553" cy="288032"/>
           </a:xfrm>
           <a:prstGeom prst="borderCallout1">
@@ -3369,15 +3377,15 @@
         </p:nvSpPr>
         <p:spPr>
           <a:xfrm>
-            <a:off x="3503801" y="4633066"/>
-            <a:ext cx="928526" cy="432047"/>
+            <a:off x="3419872" y="4633066"/>
+            <a:ext cx="974623" cy="288031"/>
           </a:xfrm>
           <a:prstGeom prst="borderCallout1">
             <a:avLst>
               <a:gd name="adj1" fmla="val 44544"/>
               <a:gd name="adj2" fmla="val 98811"/>
               <a:gd name="adj3" fmla="val 44966"/>
-              <a:gd name="adj4" fmla="val 153724"/>
+              <a:gd name="adj4" fmla="val 149732"/>
             </a:avLst>
           </a:prstGeom>
           <a:noFill/>
@@ -3414,7 +3422,7 @@
                   <a:srgbClr val="FF0000"/>
                 </a:solidFill>
               </a:rPr>
-              <a:t>数值型自变量列数</a:t>
+              <a:t>自变量列数</a:t>
             </a:r>
           </a:p>
         </p:txBody>
@@ -3435,7 +3443,7 @@
               <a:gd name="adj1" fmla="val 44544"/>
               <a:gd name="adj2" fmla="val 98811"/>
               <a:gd name="adj3" fmla="val 43937"/>
-              <a:gd name="adj4" fmla="val 130741"/>
+              <a:gd name="adj4" fmla="val 128185"/>
             </a:avLst>
           </a:prstGeom>
           <a:noFill/>
@@ -3485,7 +3493,7 @@
         </p:nvSpPr>
         <p:spPr>
           <a:xfrm>
-            <a:off x="3445783" y="5436666"/>
+            <a:off x="3419872" y="5220642"/>
             <a:ext cx="974623" cy="432047"/>
           </a:xfrm>
           <a:prstGeom prst="borderCallout1">
@@ -3493,7 +3501,7 @@
               <a:gd name="adj1" fmla="val 44544"/>
               <a:gd name="adj2" fmla="val 98811"/>
               <a:gd name="adj3" fmla="val 44966"/>
-              <a:gd name="adj4" fmla="val 158962"/>
+              <a:gd name="adj4" fmla="val 148981"/>
             </a:avLst>
           </a:prstGeom>
           <a:noFill/>
@@ -3543,7 +3551,7 @@
         </p:nvSpPr>
         <p:spPr>
           <a:xfrm>
-            <a:off x="3419872" y="3791996"/>
+            <a:off x="3419872" y="3780482"/>
             <a:ext cx="1141553" cy="288032"/>
           </a:xfrm>
           <a:prstGeom prst="borderCallout1">
@@ -3601,7 +3609,7 @@
         </p:nvSpPr>
         <p:spPr>
           <a:xfrm>
-            <a:off x="3445783" y="7549388"/>
+            <a:off x="3426260" y="7573880"/>
             <a:ext cx="1141553" cy="288032"/>
           </a:xfrm>
           <a:prstGeom prst="borderCallout1">
@@ -3609,7 +3617,7 @@
               <a:gd name="adj1" fmla="val 44544"/>
               <a:gd name="adj2" fmla="val 98811"/>
               <a:gd name="adj3" fmla="val 43937"/>
-              <a:gd name="adj4" fmla="val 132445"/>
+              <a:gd name="adj4" fmla="val 128184"/>
             </a:avLst>
           </a:prstGeom>
           <a:noFill/>

--- a/image2/BeSS/界面.pptx
+++ b/image2/BeSS/界面.pptx
@@ -302,7 +302,7 @@
           <a:p>
             <a:fld id="{530820CF-B880-4189-942D-D702A7CBA730}" type="datetimeFigureOut">
               <a:rPr lang="zh-CN" altLang="en-US" smtClean="0"/>
-              <a:t>2024/4/26</a:t>
+              <a:t>2024/4/27</a:t>
             </a:fld>
             <a:endParaRPr lang="zh-CN" altLang="en-US"/>
           </a:p>
@@ -465,7 +465,7 @@
           <a:p>
             <a:fld id="{530820CF-B880-4189-942D-D702A7CBA730}" type="datetimeFigureOut">
               <a:rPr lang="zh-CN" altLang="en-US" smtClean="0"/>
-              <a:t>2024/4/26</a:t>
+              <a:t>2024/4/27</a:t>
             </a:fld>
             <a:endParaRPr lang="zh-CN" altLang="en-US"/>
           </a:p>
@@ -638,7 +638,7 @@
           <a:p>
             <a:fld id="{530820CF-B880-4189-942D-D702A7CBA730}" type="datetimeFigureOut">
               <a:rPr lang="zh-CN" altLang="en-US" smtClean="0"/>
-              <a:t>2024/4/26</a:t>
+              <a:t>2024/4/27</a:t>
             </a:fld>
             <a:endParaRPr lang="zh-CN" altLang="en-US"/>
           </a:p>
@@ -801,7 +801,7 @@
           <a:p>
             <a:fld id="{530820CF-B880-4189-942D-D702A7CBA730}" type="datetimeFigureOut">
               <a:rPr lang="zh-CN" altLang="en-US" smtClean="0"/>
-              <a:t>2024/4/26</a:t>
+              <a:t>2024/4/27</a:t>
             </a:fld>
             <a:endParaRPr lang="zh-CN" altLang="en-US"/>
           </a:p>
@@ -1041,7 +1041,7 @@
           <a:p>
             <a:fld id="{530820CF-B880-4189-942D-D702A7CBA730}" type="datetimeFigureOut">
               <a:rPr lang="zh-CN" altLang="en-US" smtClean="0"/>
-              <a:t>2024/4/26</a:t>
+              <a:t>2024/4/27</a:t>
             </a:fld>
             <a:endParaRPr lang="zh-CN" altLang="en-US"/>
           </a:p>
@@ -1321,7 +1321,7 @@
           <a:p>
             <a:fld id="{530820CF-B880-4189-942D-D702A7CBA730}" type="datetimeFigureOut">
               <a:rPr lang="zh-CN" altLang="en-US" smtClean="0"/>
-              <a:t>2024/4/26</a:t>
+              <a:t>2024/4/27</a:t>
             </a:fld>
             <a:endParaRPr lang="zh-CN" altLang="en-US"/>
           </a:p>
@@ -1735,7 +1735,7 @@
           <a:p>
             <a:fld id="{530820CF-B880-4189-942D-D702A7CBA730}" type="datetimeFigureOut">
               <a:rPr lang="zh-CN" altLang="en-US" smtClean="0"/>
-              <a:t>2024/4/26</a:t>
+              <a:t>2024/4/27</a:t>
             </a:fld>
             <a:endParaRPr lang="zh-CN" altLang="en-US"/>
           </a:p>
@@ -1847,7 +1847,7 @@
           <a:p>
             <a:fld id="{530820CF-B880-4189-942D-D702A7CBA730}" type="datetimeFigureOut">
               <a:rPr lang="zh-CN" altLang="en-US" smtClean="0"/>
-              <a:t>2024/4/26</a:t>
+              <a:t>2024/4/27</a:t>
             </a:fld>
             <a:endParaRPr lang="zh-CN" altLang="en-US"/>
           </a:p>
@@ -1937,7 +1937,7 @@
           <a:p>
             <a:fld id="{530820CF-B880-4189-942D-D702A7CBA730}" type="datetimeFigureOut">
               <a:rPr lang="zh-CN" altLang="en-US" smtClean="0"/>
-              <a:t>2024/4/26</a:t>
+              <a:t>2024/4/27</a:t>
             </a:fld>
             <a:endParaRPr lang="zh-CN" altLang="en-US"/>
           </a:p>
@@ -2207,7 +2207,7 @@
           <a:p>
             <a:fld id="{530820CF-B880-4189-942D-D702A7CBA730}" type="datetimeFigureOut">
               <a:rPr lang="zh-CN" altLang="en-US" smtClean="0"/>
-              <a:t>2024/4/26</a:t>
+              <a:t>2024/4/27</a:t>
             </a:fld>
             <a:endParaRPr lang="zh-CN" altLang="en-US"/>
           </a:p>
@@ -2454,7 +2454,7 @@
           <a:p>
             <a:fld id="{530820CF-B880-4189-942D-D702A7CBA730}" type="datetimeFigureOut">
               <a:rPr lang="zh-CN" altLang="en-US" smtClean="0"/>
-              <a:t>2024/4/26</a:t>
+              <a:t>2024/4/27</a:t>
             </a:fld>
             <a:endParaRPr lang="zh-CN" altLang="en-US"/>
           </a:p>
@@ -2660,7 +2660,7 @@
           <a:p>
             <a:fld id="{530820CF-B880-4189-942D-D702A7CBA730}" type="datetimeFigureOut">
               <a:rPr lang="zh-CN" altLang="en-US" smtClean="0"/>
-              <a:t>2024/4/26</a:t>
+              <a:t>2024/4/27</a:t>
             </a:fld>
             <a:endParaRPr lang="zh-CN" altLang="en-US"/>
           </a:p>
@@ -3032,10 +3032,10 @@
       </p:grpSpPr>
       <p:pic>
         <p:nvPicPr>
-          <p:cNvPr id="4" name="图片 3">
+          <p:cNvPr id="5" name="图片 4">
             <a:extLst>
               <a:ext uri="{FF2B5EF4-FFF2-40B4-BE49-F238E27FC236}">
-                <a16:creationId xmlns:a16="http://schemas.microsoft.com/office/drawing/2014/main" id="{9B3A4705-669E-E5E6-5D72-C990B8636C58}"/>
+                <a16:creationId xmlns:a16="http://schemas.microsoft.com/office/drawing/2014/main" id="{C350FAF1-4295-28CF-D12F-ECF39D538356}"/>
               </a:ext>
             </a:extLst>
           </p:cNvPr>
@@ -3045,21 +3045,15 @@
           <p:nvPr/>
         </p:nvPicPr>
         <p:blipFill>
-          <a:blip r:embed="rId2">
-            <a:extLst>
-              <a:ext uri="{28A0092B-C50C-407E-A947-70E740481C1C}">
-                <a14:useLocalDpi xmlns:a14="http://schemas.microsoft.com/office/drawing/2010/main" val="0"/>
-              </a:ext>
-            </a:extLst>
-          </a:blip>
+          <a:blip r:embed="rId2"/>
           <a:stretch>
             <a:fillRect/>
           </a:stretch>
         </p:blipFill>
         <p:spPr>
           <a:xfrm>
-            <a:off x="4731073" y="1726558"/>
-            <a:ext cx="3356313" cy="7100772"/>
+            <a:off x="4712989" y="1726558"/>
+            <a:ext cx="3374397" cy="7100772"/>
           </a:xfrm>
           <a:prstGeom prst="rect">
             <a:avLst/>
@@ -3203,7 +3197,7 @@
         </p:nvSpPr>
         <p:spPr>
           <a:xfrm>
-            <a:off x="3420453" y="6145234"/>
+            <a:off x="3420453" y="6156746"/>
             <a:ext cx="1141553" cy="288032"/>
           </a:xfrm>
           <a:prstGeom prst="borderCallout1">
@@ -3435,7 +3429,7 @@
         </p:nvSpPr>
         <p:spPr>
           <a:xfrm>
-            <a:off x="3430447" y="6876826"/>
+            <a:off x="3430447" y="6948834"/>
             <a:ext cx="1141553" cy="288032"/>
           </a:xfrm>
           <a:prstGeom prst="borderCallout1">
@@ -3609,7 +3603,7 @@
         </p:nvSpPr>
         <p:spPr>
           <a:xfrm>
-            <a:off x="3426260" y="7573880"/>
+            <a:off x="3426260" y="7596906"/>
             <a:ext cx="1141553" cy="288032"/>
           </a:xfrm>
           <a:prstGeom prst="borderCallout1">

--- a/image2/BeSS/界面.pptx
+++ b/image2/BeSS/界面.pptx
@@ -3032,10 +3032,10 @@
       </p:grpSpPr>
       <p:pic>
         <p:nvPicPr>
-          <p:cNvPr id="5" name="图片 4">
+          <p:cNvPr id="4" name="图片 3">
             <a:extLst>
               <a:ext uri="{FF2B5EF4-FFF2-40B4-BE49-F238E27FC236}">
-                <a16:creationId xmlns:a16="http://schemas.microsoft.com/office/drawing/2014/main" id="{C350FAF1-4295-28CF-D12F-ECF39D538356}"/>
+                <a16:creationId xmlns:a16="http://schemas.microsoft.com/office/drawing/2014/main" id="{839EDC76-F6B7-163E-461D-B814F616123F}"/>
               </a:ext>
             </a:extLst>
           </p:cNvPr>
@@ -3045,15 +3045,21 @@
           <p:nvPr/>
         </p:nvPicPr>
         <p:blipFill>
-          <a:blip r:embed="rId2"/>
+          <a:blip r:embed="rId2">
+            <a:extLst>
+              <a:ext uri="{28A0092B-C50C-407E-A947-70E740481C1C}">
+                <a14:useLocalDpi xmlns:a14="http://schemas.microsoft.com/office/drawing/2010/main" val="0"/>
+              </a:ext>
+            </a:extLst>
+          </a:blip>
           <a:stretch>
             <a:fillRect/>
           </a:stretch>
         </p:blipFill>
         <p:spPr>
           <a:xfrm>
-            <a:off x="4712989" y="1726558"/>
-            <a:ext cx="3374397" cy="7100772"/>
+            <a:off x="4748104" y="1726558"/>
+            <a:ext cx="3339282" cy="7100772"/>
           </a:xfrm>
           <a:prstGeom prst="rect">
             <a:avLst/>
